--- a/자료/Ch5. Karnaugh Map.pptx
+++ b/자료/Ch5. Karnaugh Map.pptx
@@ -15311,6 +15311,162 @@
           </a:p>
         </p:txBody>
       </p:sp>
+      <p:sp>
+        <p:nvSpPr>
+          <p:cNvPr id="2" name="사각형: 둥근 모서리 1">
+            <a:extLst>
+              <a:ext uri="{FF2B5EF4-FFF2-40B4-BE49-F238E27FC236}">
+                <a16:creationId xmlns:a16="http://schemas.microsoft.com/office/drawing/2014/main" id="{AF8723EE-082F-5AA7-E91D-A2BE4B4E99B9}"/>
+              </a:ext>
+            </a:extLst>
+          </p:cNvPr>
+          <p:cNvSpPr/>
+          <p:nvPr/>
+        </p:nvSpPr>
+        <p:spPr>
+          <a:xfrm>
+            <a:off x="5004048" y="3500438"/>
+            <a:ext cx="1008112" cy="1080690"/>
+          </a:xfrm>
+          <a:prstGeom prst="roundRect">
+            <a:avLst/>
+          </a:prstGeom>
+          <a:noFill/>
+          <a:ln w="38100">
+            <a:solidFill>
+              <a:schemeClr val="accent1"/>
+            </a:solidFill>
+          </a:ln>
+        </p:spPr>
+        <p:style>
+          <a:lnRef idx="2">
+            <a:schemeClr val="accent1">
+              <a:shade val="50000"/>
+            </a:schemeClr>
+          </a:lnRef>
+          <a:fillRef idx="1">
+            <a:schemeClr val="accent1"/>
+          </a:fillRef>
+          <a:effectRef idx="0">
+            <a:schemeClr val="accent1"/>
+          </a:effectRef>
+          <a:fontRef idx="minor">
+            <a:schemeClr val="lt1"/>
+          </a:fontRef>
+        </p:style>
+        <p:txBody>
+          <a:bodyPr rtlCol="0" anchor="ctr"/>
+          <a:lstStyle/>
+          <a:p>
+            <a:pPr algn="ctr"/>
+            <a:endParaRPr lang="ko-KR" altLang="en-US"/>
+          </a:p>
+        </p:txBody>
+      </p:sp>
+      <p:sp>
+        <p:nvSpPr>
+          <p:cNvPr id="3" name="사각형: 둥근 모서리 2">
+            <a:extLst>
+              <a:ext uri="{FF2B5EF4-FFF2-40B4-BE49-F238E27FC236}">
+                <a16:creationId xmlns:a16="http://schemas.microsoft.com/office/drawing/2014/main" id="{A3FBFD2A-5604-E88C-99F9-25F6A3B01F95}"/>
+              </a:ext>
+            </a:extLst>
+          </p:cNvPr>
+          <p:cNvSpPr/>
+          <p:nvPr/>
+        </p:nvSpPr>
+        <p:spPr>
+          <a:xfrm>
+            <a:off x="3779912" y="5368925"/>
+            <a:ext cx="1008112" cy="437514"/>
+          </a:xfrm>
+          <a:prstGeom prst="roundRect">
+            <a:avLst/>
+          </a:prstGeom>
+          <a:noFill/>
+          <a:ln w="38100">
+            <a:solidFill>
+              <a:schemeClr val="accent1"/>
+            </a:solidFill>
+          </a:ln>
+        </p:spPr>
+        <p:style>
+          <a:lnRef idx="2">
+            <a:schemeClr val="accent1">
+              <a:shade val="50000"/>
+            </a:schemeClr>
+          </a:lnRef>
+          <a:fillRef idx="1">
+            <a:schemeClr val="accent1"/>
+          </a:fillRef>
+          <a:effectRef idx="0">
+            <a:schemeClr val="accent1"/>
+          </a:effectRef>
+          <a:fontRef idx="minor">
+            <a:schemeClr val="lt1"/>
+          </a:fontRef>
+        </p:style>
+        <p:txBody>
+          <a:bodyPr rtlCol="0" anchor="ctr"/>
+          <a:lstStyle/>
+          <a:p>
+            <a:pPr algn="ctr"/>
+            <a:endParaRPr lang="ko-KR" altLang="en-US"/>
+          </a:p>
+        </p:txBody>
+      </p:sp>
+      <p:sp>
+        <p:nvSpPr>
+          <p:cNvPr id="4" name="사각형: 둥근 모서리 3">
+            <a:extLst>
+              <a:ext uri="{FF2B5EF4-FFF2-40B4-BE49-F238E27FC236}">
+                <a16:creationId xmlns:a16="http://schemas.microsoft.com/office/drawing/2014/main" id="{737BDB4F-4FA9-F2D5-CBB3-EB4602DC770A}"/>
+              </a:ext>
+            </a:extLst>
+          </p:cNvPr>
+          <p:cNvSpPr/>
+          <p:nvPr/>
+        </p:nvSpPr>
+        <p:spPr>
+          <a:xfrm>
+            <a:off x="3851920" y="4733527"/>
+            <a:ext cx="310505" cy="1072911"/>
+          </a:xfrm>
+          <a:prstGeom prst="roundRect">
+            <a:avLst/>
+          </a:prstGeom>
+          <a:noFill/>
+          <a:ln w="38100">
+            <a:solidFill>
+              <a:schemeClr val="accent1"/>
+            </a:solidFill>
+          </a:ln>
+        </p:spPr>
+        <p:style>
+          <a:lnRef idx="2">
+            <a:schemeClr val="accent1">
+              <a:shade val="50000"/>
+            </a:schemeClr>
+          </a:lnRef>
+          <a:fillRef idx="1">
+            <a:schemeClr val="accent1"/>
+          </a:fillRef>
+          <a:effectRef idx="0">
+            <a:schemeClr val="accent1"/>
+          </a:effectRef>
+          <a:fontRef idx="minor">
+            <a:schemeClr val="lt1"/>
+          </a:fontRef>
+        </p:style>
+        <p:txBody>
+          <a:bodyPr rtlCol="0" anchor="ctr"/>
+          <a:lstStyle/>
+          <a:p>
+            <a:pPr algn="ctr"/>
+            <a:endParaRPr lang="ko-KR" altLang="en-US"/>
+          </a:p>
+        </p:txBody>
+      </p:sp>
     </p:spTree>
   </p:cSld>
   <p:clrMapOvr>
@@ -15709,8 +15865,13 @@
             <a:avLst/>
           </a:prstGeom>
           <a:noFill/>
-          <a:ln>
-            <a:noFill/>
+          <a:ln w="9525">
+            <a:solidFill>
+              <a:srgbClr val="000000"/>
+            </a:solidFill>
+            <a:miter lim="800000"/>
+            <a:headEnd/>
+            <a:tailEnd/>
           </a:ln>
           <a:extLst>
             <a:ext uri="{909E8E84-426E-40DD-AFC4-6F175D3DCCD1}">
@@ -15719,16 +15880,6 @@
                   <a:srgbClr val="FFFFFF"/>
                 </a:solidFill>
               </a14:hiddenFill>
-            </a:ext>
-            <a:ext uri="{91240B29-F687-4F45-9708-019B960494DF}">
-              <a14:hiddenLine xmlns:a14="http://schemas.microsoft.com/office/drawing/2010/main" w="9525">
-                <a:solidFill>
-                  <a:srgbClr val="000000"/>
-                </a:solidFill>
-                <a:miter lim="800000"/>
-                <a:headEnd/>
-                <a:tailEnd/>
-              </a14:hiddenLine>
             </a:ext>
           </a:extLst>
         </p:spPr>
@@ -15810,6 +15961,417 @@
               </a:rPr>
               <a:t>Using Essential Prime Implicants</a:t>
             </a:r>
+          </a:p>
+        </p:txBody>
+      </p:sp>
+      <p:sp>
+        <p:nvSpPr>
+          <p:cNvPr id="2" name="사각형: 둥근 모서리 1">
+            <a:extLst>
+              <a:ext uri="{FF2B5EF4-FFF2-40B4-BE49-F238E27FC236}">
+                <a16:creationId xmlns:a16="http://schemas.microsoft.com/office/drawing/2014/main" id="{548AEB7F-7D80-9BF0-449E-C4BDED66EFCD}"/>
+              </a:ext>
+            </a:extLst>
+          </p:cNvPr>
+          <p:cNvSpPr/>
+          <p:nvPr/>
+        </p:nvSpPr>
+        <p:spPr>
+          <a:xfrm>
+            <a:off x="1295064" y="3410712"/>
+            <a:ext cx="432048" cy="1142984"/>
+          </a:xfrm>
+          <a:prstGeom prst="roundRect">
+            <a:avLst/>
+          </a:prstGeom>
+          <a:noFill/>
+          <a:ln w="38100">
+            <a:solidFill>
+              <a:schemeClr val="accent1"/>
+            </a:solidFill>
+          </a:ln>
+        </p:spPr>
+        <p:style>
+          <a:lnRef idx="2">
+            <a:schemeClr val="accent1">
+              <a:shade val="50000"/>
+            </a:schemeClr>
+          </a:lnRef>
+          <a:fillRef idx="1">
+            <a:schemeClr val="accent1"/>
+          </a:fillRef>
+          <a:effectRef idx="0">
+            <a:schemeClr val="accent1"/>
+          </a:effectRef>
+          <a:fontRef idx="minor">
+            <a:schemeClr val="lt1"/>
+          </a:fontRef>
+        </p:style>
+        <p:txBody>
+          <a:bodyPr rtlCol="0" anchor="ctr"/>
+          <a:lstStyle/>
+          <a:p>
+            <a:pPr algn="ctr"/>
+            <a:endParaRPr lang="ko-KR" altLang="en-US"/>
+          </a:p>
+        </p:txBody>
+      </p:sp>
+      <p:sp>
+        <p:nvSpPr>
+          <p:cNvPr id="3" name="사각형: 둥근 모서리 2">
+            <a:extLst>
+              <a:ext uri="{FF2B5EF4-FFF2-40B4-BE49-F238E27FC236}">
+                <a16:creationId xmlns:a16="http://schemas.microsoft.com/office/drawing/2014/main" id="{3197A5CC-DB95-C07C-7CC9-D4FDDBAECC71}"/>
+              </a:ext>
+            </a:extLst>
+          </p:cNvPr>
+          <p:cNvSpPr/>
+          <p:nvPr/>
+        </p:nvSpPr>
+        <p:spPr>
+          <a:xfrm>
+            <a:off x="1952280" y="2753496"/>
+            <a:ext cx="1147552" cy="1080690"/>
+          </a:xfrm>
+          <a:prstGeom prst="roundRect">
+            <a:avLst/>
+          </a:prstGeom>
+          <a:noFill/>
+          <a:ln w="38100">
+            <a:solidFill>
+              <a:schemeClr val="accent1"/>
+            </a:solidFill>
+          </a:ln>
+        </p:spPr>
+        <p:style>
+          <a:lnRef idx="2">
+            <a:schemeClr val="accent1">
+              <a:shade val="50000"/>
+            </a:schemeClr>
+          </a:lnRef>
+          <a:fillRef idx="1">
+            <a:schemeClr val="accent1"/>
+          </a:fillRef>
+          <a:effectRef idx="0">
+            <a:schemeClr val="accent1"/>
+          </a:effectRef>
+          <a:fontRef idx="minor">
+            <a:schemeClr val="lt1"/>
+          </a:fontRef>
+        </p:style>
+        <p:txBody>
+          <a:bodyPr rtlCol="0" anchor="ctr"/>
+          <a:lstStyle/>
+          <a:p>
+            <a:pPr algn="ctr"/>
+            <a:endParaRPr lang="ko-KR" altLang="en-US"/>
+          </a:p>
+        </p:txBody>
+      </p:sp>
+      <p:sp>
+        <p:nvSpPr>
+          <p:cNvPr id="4" name="사각형: 둥근 모서리 3">
+            <a:extLst>
+              <a:ext uri="{FF2B5EF4-FFF2-40B4-BE49-F238E27FC236}">
+                <a16:creationId xmlns:a16="http://schemas.microsoft.com/office/drawing/2014/main" id="{C600CB66-2D96-C1AD-4521-B64DC8F315CD}"/>
+              </a:ext>
+            </a:extLst>
+          </p:cNvPr>
+          <p:cNvSpPr/>
+          <p:nvPr/>
+        </p:nvSpPr>
+        <p:spPr>
+          <a:xfrm>
+            <a:off x="2660904" y="4148510"/>
+            <a:ext cx="1147552" cy="1080690"/>
+          </a:xfrm>
+          <a:prstGeom prst="roundRect">
+            <a:avLst/>
+          </a:prstGeom>
+          <a:noFill/>
+          <a:ln w="38100">
+            <a:solidFill>
+              <a:schemeClr val="accent1"/>
+            </a:solidFill>
+          </a:ln>
+        </p:spPr>
+        <p:style>
+          <a:lnRef idx="2">
+            <a:schemeClr val="accent1">
+              <a:shade val="50000"/>
+            </a:schemeClr>
+          </a:lnRef>
+          <a:fillRef idx="1">
+            <a:schemeClr val="accent1"/>
+          </a:fillRef>
+          <a:effectRef idx="0">
+            <a:schemeClr val="accent1"/>
+          </a:effectRef>
+          <a:fontRef idx="minor">
+            <a:schemeClr val="lt1"/>
+          </a:fontRef>
+        </p:style>
+        <p:txBody>
+          <a:bodyPr rtlCol="0" anchor="ctr"/>
+          <a:lstStyle/>
+          <a:p>
+            <a:pPr algn="ctr"/>
+            <a:endParaRPr lang="ko-KR" altLang="en-US"/>
+          </a:p>
+        </p:txBody>
+      </p:sp>
+      <p:cxnSp>
+        <p:nvCxnSpPr>
+          <p:cNvPr id="6" name="직선 연결선 5">
+            <a:extLst>
+              <a:ext uri="{FF2B5EF4-FFF2-40B4-BE49-F238E27FC236}">
+                <a16:creationId xmlns:a16="http://schemas.microsoft.com/office/drawing/2014/main" id="{74F19F3C-C0F8-C44A-7D7E-EB5E506DBD0C}"/>
+              </a:ext>
+            </a:extLst>
+          </p:cNvPr>
+          <p:cNvCxnSpPr/>
+          <p:nvPr/>
+        </p:nvCxnSpPr>
+        <p:spPr>
+          <a:xfrm>
+            <a:off x="7740352" y="3870762"/>
+            <a:ext cx="1295698" cy="0"/>
+          </a:xfrm>
+          <a:prstGeom prst="line">
+            <a:avLst/>
+          </a:prstGeom>
+          <a:ln>
+            <a:solidFill>
+              <a:srgbClr val="FF0000"/>
+            </a:solidFill>
+          </a:ln>
+        </p:spPr>
+        <p:style>
+          <a:lnRef idx="1">
+            <a:schemeClr val="accent1"/>
+          </a:lnRef>
+          <a:fillRef idx="0">
+            <a:schemeClr val="accent1"/>
+          </a:fillRef>
+          <a:effectRef idx="0">
+            <a:schemeClr val="accent1"/>
+          </a:effectRef>
+          <a:fontRef idx="minor">
+            <a:schemeClr val="tx1"/>
+          </a:fontRef>
+        </p:style>
+      </p:cxnSp>
+      <p:sp>
+        <p:nvSpPr>
+          <p:cNvPr id="7" name="사각형: 둥근 모서리 6">
+            <a:extLst>
+              <a:ext uri="{FF2B5EF4-FFF2-40B4-BE49-F238E27FC236}">
+                <a16:creationId xmlns:a16="http://schemas.microsoft.com/office/drawing/2014/main" id="{AC6DB255-75D2-CC9A-8BE4-6C418D937B3A}"/>
+              </a:ext>
+            </a:extLst>
+          </p:cNvPr>
+          <p:cNvSpPr/>
+          <p:nvPr/>
+        </p:nvSpPr>
+        <p:spPr>
+          <a:xfrm>
+            <a:off x="2638072" y="2708920"/>
+            <a:ext cx="461760" cy="2520279"/>
+          </a:xfrm>
+          <a:prstGeom prst="roundRect">
+            <a:avLst/>
+          </a:prstGeom>
+          <a:noFill/>
+          <a:ln w="19050">
+            <a:solidFill>
+              <a:srgbClr val="FF0000"/>
+            </a:solidFill>
+          </a:ln>
+        </p:spPr>
+        <p:style>
+          <a:lnRef idx="2">
+            <a:schemeClr val="accent1">
+              <a:shade val="50000"/>
+            </a:schemeClr>
+          </a:lnRef>
+          <a:fillRef idx="1">
+            <a:schemeClr val="accent1"/>
+          </a:fillRef>
+          <a:effectRef idx="0">
+            <a:schemeClr val="accent1"/>
+          </a:effectRef>
+          <a:fontRef idx="minor">
+            <a:schemeClr val="lt1"/>
+          </a:fontRef>
+        </p:style>
+        <p:txBody>
+          <a:bodyPr rtlCol="0" anchor="ctr"/>
+          <a:lstStyle/>
+          <a:p>
+            <a:pPr algn="ctr"/>
+            <a:endParaRPr lang="ko-KR" altLang="en-US"/>
+          </a:p>
+        </p:txBody>
+      </p:sp>
+      <p:sp>
+        <p:nvSpPr>
+          <p:cNvPr id="8" name="사각형: 둥근 모서리 7">
+            <a:extLst>
+              <a:ext uri="{FF2B5EF4-FFF2-40B4-BE49-F238E27FC236}">
+                <a16:creationId xmlns:a16="http://schemas.microsoft.com/office/drawing/2014/main" id="{F6D90604-63AD-5D99-08D1-8AA5306F8B53}"/>
+              </a:ext>
+            </a:extLst>
+          </p:cNvPr>
+          <p:cNvSpPr/>
+          <p:nvPr/>
+        </p:nvSpPr>
+        <p:spPr>
+          <a:xfrm>
+            <a:off x="1287064" y="3428999"/>
+            <a:ext cx="1147552" cy="405187"/>
+          </a:xfrm>
+          <a:prstGeom prst="roundRect">
+            <a:avLst/>
+          </a:prstGeom>
+          <a:noFill/>
+          <a:ln w="19050">
+            <a:solidFill>
+              <a:srgbClr val="FF0000"/>
+            </a:solidFill>
+          </a:ln>
+        </p:spPr>
+        <p:style>
+          <a:lnRef idx="2">
+            <a:schemeClr val="accent1">
+              <a:shade val="50000"/>
+            </a:schemeClr>
+          </a:lnRef>
+          <a:fillRef idx="1">
+            <a:schemeClr val="accent1"/>
+          </a:fillRef>
+          <a:effectRef idx="0">
+            <a:schemeClr val="accent1"/>
+          </a:effectRef>
+          <a:fontRef idx="minor">
+            <a:schemeClr val="lt1"/>
+          </a:fontRef>
+        </p:style>
+        <p:txBody>
+          <a:bodyPr rtlCol="0" anchor="ctr"/>
+          <a:lstStyle/>
+          <a:p>
+            <a:pPr algn="ctr"/>
+            <a:endParaRPr lang="ko-KR" altLang="en-US"/>
+          </a:p>
+        </p:txBody>
+      </p:sp>
+      <p:sp>
+        <p:nvSpPr>
+          <p:cNvPr id="9" name="화살표: 오른쪽으로 구부러짐 8">
+            <a:extLst>
+              <a:ext uri="{FF2B5EF4-FFF2-40B4-BE49-F238E27FC236}">
+                <a16:creationId xmlns:a16="http://schemas.microsoft.com/office/drawing/2014/main" id="{C7BE5D1C-A763-BC26-19D4-746F71669A81}"/>
+              </a:ext>
+            </a:extLst>
+          </p:cNvPr>
+          <p:cNvSpPr/>
+          <p:nvPr/>
+        </p:nvSpPr>
+        <p:spPr>
+          <a:xfrm>
+            <a:off x="3275856" y="4041640"/>
+            <a:ext cx="432768" cy="576064"/>
+          </a:xfrm>
+          <a:prstGeom prst="curvedRightArrow">
+            <a:avLst/>
+          </a:prstGeom>
+          <a:ln w="12700">
+            <a:solidFill>
+              <a:srgbClr val="FF0000"/>
+            </a:solidFill>
+          </a:ln>
+        </p:spPr>
+        <p:style>
+          <a:lnRef idx="2">
+            <a:schemeClr val="accent1">
+              <a:shade val="50000"/>
+            </a:schemeClr>
+          </a:lnRef>
+          <a:fillRef idx="1">
+            <a:schemeClr val="accent1"/>
+          </a:fillRef>
+          <a:effectRef idx="0">
+            <a:schemeClr val="accent1"/>
+          </a:effectRef>
+          <a:fontRef idx="minor">
+            <a:schemeClr val="lt1"/>
+          </a:fontRef>
+        </p:style>
+        <p:txBody>
+          <a:bodyPr rtlCol="0" anchor="ctr"/>
+          <a:lstStyle/>
+          <a:p>
+            <a:pPr algn="ctr"/>
+            <a:endParaRPr lang="ko-KR" altLang="en-US">
+              <a:solidFill>
+                <a:schemeClr val="tx1"/>
+              </a:solidFill>
+            </a:endParaRPr>
+          </a:p>
+        </p:txBody>
+      </p:sp>
+      <p:sp>
+        <p:nvSpPr>
+          <p:cNvPr id="10" name="화살표: 오른쪽으로 구부러짐 9">
+            <a:extLst>
+              <a:ext uri="{FF2B5EF4-FFF2-40B4-BE49-F238E27FC236}">
+                <a16:creationId xmlns:a16="http://schemas.microsoft.com/office/drawing/2014/main" id="{16D85E47-E10E-FD10-6964-DDF0B4E1915D}"/>
+              </a:ext>
+            </a:extLst>
+          </p:cNvPr>
+          <p:cNvSpPr/>
+          <p:nvPr/>
+        </p:nvSpPr>
+        <p:spPr>
+          <a:xfrm flipH="1">
+            <a:off x="1322496" y="4041640"/>
+            <a:ext cx="432048" cy="576064"/>
+          </a:xfrm>
+          <a:prstGeom prst="curvedRightArrow">
+            <a:avLst/>
+          </a:prstGeom>
+          <a:ln w="12700">
+            <a:solidFill>
+              <a:srgbClr val="FF0000"/>
+            </a:solidFill>
+          </a:ln>
+        </p:spPr>
+        <p:style>
+          <a:lnRef idx="2">
+            <a:schemeClr val="accent1">
+              <a:shade val="50000"/>
+            </a:schemeClr>
+          </a:lnRef>
+          <a:fillRef idx="1">
+            <a:schemeClr val="accent1"/>
+          </a:fillRef>
+          <a:effectRef idx="0">
+            <a:schemeClr val="accent1"/>
+          </a:effectRef>
+          <a:fontRef idx="minor">
+            <a:schemeClr val="lt1"/>
+          </a:fontRef>
+        </p:style>
+        <p:txBody>
+          <a:bodyPr rtlCol="0" anchor="ctr"/>
+          <a:lstStyle/>
+          <a:p>
+            <a:pPr algn="ctr"/>
+            <a:endParaRPr lang="ko-KR" altLang="en-US">
+              <a:solidFill>
+                <a:schemeClr val="tx1"/>
+              </a:solidFill>
+            </a:endParaRPr>
           </a:p>
         </p:txBody>
       </p:sp>
@@ -19088,7 +19650,7 @@
             <a:noFill/>
             <a:ln>
               <a:solidFill>
-                <a:srgbClr val="FF0000"/>
+                <a:srgbClr val="92D050"/>
               </a:solidFill>
             </a:ln>
           </p:spPr>
@@ -19142,7 +19704,7 @@
             <a:noFill/>
             <a:ln>
               <a:solidFill>
-                <a:srgbClr val="FF0000"/>
+                <a:srgbClr val="92D050"/>
               </a:solidFill>
             </a:ln>
           </p:spPr>
@@ -19174,6 +19736,222 @@
           </p:txBody>
         </p:sp>
       </p:grpSp>
+      <p:sp>
+        <p:nvSpPr>
+          <p:cNvPr id="2" name="사각형: 둥근 모서리 1">
+            <a:extLst>
+              <a:ext uri="{FF2B5EF4-FFF2-40B4-BE49-F238E27FC236}">
+                <a16:creationId xmlns:a16="http://schemas.microsoft.com/office/drawing/2014/main" id="{21BA37DD-C3EF-A346-AC05-7653C00FAEBB}"/>
+              </a:ext>
+            </a:extLst>
+          </p:cNvPr>
+          <p:cNvSpPr/>
+          <p:nvPr/>
+        </p:nvSpPr>
+        <p:spPr>
+          <a:xfrm>
+            <a:off x="2723800" y="3429001"/>
+            <a:ext cx="461760" cy="2520279"/>
+          </a:xfrm>
+          <a:prstGeom prst="roundRect">
+            <a:avLst/>
+          </a:prstGeom>
+          <a:noFill/>
+          <a:ln w="19050">
+            <a:solidFill>
+              <a:srgbClr val="FF0000"/>
+            </a:solidFill>
+          </a:ln>
+        </p:spPr>
+        <p:style>
+          <a:lnRef idx="2">
+            <a:schemeClr val="accent1">
+              <a:shade val="50000"/>
+            </a:schemeClr>
+          </a:lnRef>
+          <a:fillRef idx="1">
+            <a:schemeClr val="accent1"/>
+          </a:fillRef>
+          <a:effectRef idx="0">
+            <a:schemeClr val="accent1"/>
+          </a:effectRef>
+          <a:fontRef idx="minor">
+            <a:schemeClr val="lt1"/>
+          </a:fontRef>
+        </p:style>
+        <p:txBody>
+          <a:bodyPr rtlCol="0" anchor="ctr"/>
+          <a:lstStyle/>
+          <a:p>
+            <a:pPr algn="ctr"/>
+            <a:endParaRPr lang="ko-KR" altLang="en-US"/>
+          </a:p>
+        </p:txBody>
+      </p:sp>
+      <p:sp>
+        <p:nvSpPr>
+          <p:cNvPr id="4" name="화살표: 오른쪽으로 구부러짐 3">
+            <a:extLst>
+              <a:ext uri="{FF2B5EF4-FFF2-40B4-BE49-F238E27FC236}">
+                <a16:creationId xmlns:a16="http://schemas.microsoft.com/office/drawing/2014/main" id="{2991E374-B4AF-73D1-D654-E87D50F42B69}"/>
+              </a:ext>
+            </a:extLst>
+          </p:cNvPr>
+          <p:cNvSpPr/>
+          <p:nvPr/>
+        </p:nvSpPr>
+        <p:spPr>
+          <a:xfrm rot="5400000">
+            <a:off x="3977934" y="5391218"/>
+            <a:ext cx="540060" cy="648072"/>
+          </a:xfrm>
+          <a:prstGeom prst="curvedRightArrow">
+            <a:avLst/>
+          </a:prstGeom>
+          <a:noFill/>
+          <a:ln w="12700">
+            <a:solidFill>
+              <a:srgbClr val="FF0000"/>
+            </a:solidFill>
+          </a:ln>
+        </p:spPr>
+        <p:style>
+          <a:lnRef idx="2">
+            <a:schemeClr val="accent1">
+              <a:shade val="50000"/>
+            </a:schemeClr>
+          </a:lnRef>
+          <a:fillRef idx="1">
+            <a:schemeClr val="accent1"/>
+          </a:fillRef>
+          <a:effectRef idx="0">
+            <a:schemeClr val="accent1"/>
+          </a:effectRef>
+          <a:fontRef idx="minor">
+            <a:schemeClr val="lt1"/>
+          </a:fontRef>
+        </p:style>
+        <p:txBody>
+          <a:bodyPr rtlCol="0" anchor="ctr"/>
+          <a:lstStyle/>
+          <a:p>
+            <a:pPr algn="ctr"/>
+            <a:endParaRPr lang="ko-KR" altLang="en-US">
+              <a:solidFill>
+                <a:schemeClr val="tx1"/>
+              </a:solidFill>
+            </a:endParaRPr>
+          </a:p>
+        </p:txBody>
+      </p:sp>
+      <p:sp>
+        <p:nvSpPr>
+          <p:cNvPr id="5" name="화살표: 오른쪽으로 구부러짐 4">
+            <a:extLst>
+              <a:ext uri="{FF2B5EF4-FFF2-40B4-BE49-F238E27FC236}">
+                <a16:creationId xmlns:a16="http://schemas.microsoft.com/office/drawing/2014/main" id="{EAF411CD-2725-6604-6172-8DD1308F035D}"/>
+              </a:ext>
+            </a:extLst>
+          </p:cNvPr>
+          <p:cNvSpPr/>
+          <p:nvPr/>
+        </p:nvSpPr>
+        <p:spPr>
+          <a:xfrm rot="5400000" flipH="1">
+            <a:off x="4049942" y="3338990"/>
+            <a:ext cx="540060" cy="648072"/>
+          </a:xfrm>
+          <a:prstGeom prst="curvedRightArrow">
+            <a:avLst/>
+          </a:prstGeom>
+          <a:noFill/>
+          <a:ln w="12700">
+            <a:solidFill>
+              <a:srgbClr val="FF0000"/>
+            </a:solidFill>
+          </a:ln>
+        </p:spPr>
+        <p:style>
+          <a:lnRef idx="2">
+            <a:schemeClr val="accent1">
+              <a:shade val="50000"/>
+            </a:schemeClr>
+          </a:lnRef>
+          <a:fillRef idx="1">
+            <a:schemeClr val="accent1"/>
+          </a:fillRef>
+          <a:effectRef idx="0">
+            <a:schemeClr val="accent1"/>
+          </a:effectRef>
+          <a:fontRef idx="minor">
+            <a:schemeClr val="lt1"/>
+          </a:fontRef>
+        </p:style>
+        <p:txBody>
+          <a:bodyPr rtlCol="0" anchor="ctr"/>
+          <a:lstStyle/>
+          <a:p>
+            <a:pPr algn="ctr"/>
+            <a:endParaRPr lang="ko-KR" altLang="en-US">
+              <a:solidFill>
+                <a:schemeClr val="tx1"/>
+              </a:solidFill>
+            </a:endParaRPr>
+          </a:p>
+        </p:txBody>
+      </p:sp>
+      <p:sp>
+        <p:nvSpPr>
+          <p:cNvPr id="6" name="사각형: 둥근 모서리 5">
+            <a:extLst>
+              <a:ext uri="{FF2B5EF4-FFF2-40B4-BE49-F238E27FC236}">
+                <a16:creationId xmlns:a16="http://schemas.microsoft.com/office/drawing/2014/main" id="{411CBBDC-F5EA-221D-D49B-B69B5EE172D5}"/>
+              </a:ext>
+            </a:extLst>
+          </p:cNvPr>
+          <p:cNvSpPr/>
+          <p:nvPr/>
+        </p:nvSpPr>
+        <p:spPr>
+          <a:xfrm>
+            <a:off x="3383296" y="4148321"/>
+            <a:ext cx="1152128" cy="431800"/>
+          </a:xfrm>
+          <a:prstGeom prst="roundRect">
+            <a:avLst/>
+          </a:prstGeom>
+          <a:noFill/>
+          <a:ln w="19050">
+            <a:solidFill>
+              <a:srgbClr val="FF0000"/>
+            </a:solidFill>
+          </a:ln>
+        </p:spPr>
+        <p:style>
+          <a:lnRef idx="2">
+            <a:schemeClr val="accent1">
+              <a:shade val="50000"/>
+            </a:schemeClr>
+          </a:lnRef>
+          <a:fillRef idx="1">
+            <a:schemeClr val="accent1"/>
+          </a:fillRef>
+          <a:effectRef idx="0">
+            <a:schemeClr val="accent1"/>
+          </a:effectRef>
+          <a:fontRef idx="minor">
+            <a:schemeClr val="lt1"/>
+          </a:fontRef>
+        </p:style>
+        <p:txBody>
+          <a:bodyPr rtlCol="0" anchor="ctr"/>
+          <a:lstStyle/>
+          <a:p>
+            <a:pPr algn="ctr"/>
+            <a:endParaRPr lang="ko-KR" altLang="en-US"/>
+          </a:p>
+        </p:txBody>
+      </p:sp>
     </p:spTree>
   </p:cSld>
   <p:clrMapOvr>
